--- a/Introducción a Jira.pptx
+++ b/Introducción a Jira.pptx
@@ -110,6 +110,11 @@
       </a:defRPr>
     </a:lvl9pPr>
   </p:defaultTextStyle>
+  <p:extLst>
+    <p:ext uri="{EFAFB233-063F-42B5-8137-9DF3F51BA10A}">
+      <p15:sldGuideLst xmlns:p15="http://schemas.microsoft.com/office/powerpoint/2012/main"/>
+    </p:ext>
+  </p:extLst>
 </p:presentation>
 </file>
 
@@ -6977,7 +6982,7 @@
           <a:lstStyle/>
           <a:p>
             <a:r>
-              <a:rPr lang="es-MX" dirty="0">
+              <a:rPr lang="es-MX">
                 <a:ln w="0"/>
                 <a:solidFill>
                   <a:schemeClr val="tx1"/>
@@ -6989,10 +6994,26 @@
                     </a:schemeClr>
                   </a:outerShdw>
                 </a:effectLst>
+                <a:hlinkClick r:id="rId3"/>
               </a:rPr>
-              <a:t>asas</a:t>
-            </a:r>
-            <a:endParaRPr lang="es-MX" dirty="0"/>
+              <a:t>https://github.com/newlandapps/NewlandApps-Courses/blob/main/Introducci%C3%B3n%20a%20Jira.pptx</a:t>
+            </a:r>
+            <a:endParaRPr lang="es-MX">
+              <a:ln w="0"/>
+              <a:solidFill>
+                <a:schemeClr val="tx1"/>
+              </a:solidFill>
+              <a:effectLst>
+                <a:outerShdw blurRad="38100" dist="19050" dir="2700000" algn="tl" rotWithShape="0">
+                  <a:schemeClr val="dk1">
+                    <a:alpha val="40000"/>
+                  </a:schemeClr>
+                </a:outerShdw>
+              </a:effectLst>
+            </a:endParaRPr>
+          </a:p>
+          <a:p>
+            <a:endParaRPr lang="es-MX" u="sng" dirty="0"/>
           </a:p>
         </p:txBody>
       </p:sp>

--- a/Introducción a Jira.pptx
+++ b/Introducción a Jira.pptx
@@ -134,90 +134,6 @@
           <inkml:channelProperty channel="F" name="resolution" value="0" units="1/dev"/>
         </inkml:channelProperties>
       </inkml:inkSource>
-      <inkml:timestamp xml:id="ts0" timeString="2022-07-13T18:57:18.476"/>
-    </inkml:context>
-    <inkml:brush xml:id="br0">
-      <inkml:brushProperty name="width" value="0.05" units="cm"/>
-      <inkml:brushProperty name="height" value="0.05" units="cm"/>
-      <inkml:brushProperty name="color" value="#E71224"/>
-    </inkml:brush>
-  </inkml:definitions>
-  <inkml:trace contextRef="#ctx0" brushRef="#br0">1 109 24575,'11'-1'0,"1"-1"0,-1-1 0,0 0 0,0 0 0,0-1 0,21-11 0,-7 4 0,21-12 0,27-12 0,-68 33 0,-1 1 0,1-1 0,0 1 0,-1 0 0,1 0 0,0 1 0,0 0 0,0 0 0,0 0 0,-1 0 0,1 1 0,0-1 0,6 3 0,-9-2 0,1 0 0,-1 1 0,0 0 0,1-1 0,-1 1 0,0 0 0,0 0 0,0 0 0,0 0 0,0 0 0,0 1 0,-1-1 0,1 1 0,-1-1 0,0 1 0,1-1 0,0 6 0,14 55 0,-12-45 0,49 398 0,-1 5 0,-20-277 0,5 12 0,-8 2 0,10 179 0,-36 145 0,-8-393 0,-5-1 0,-3 0 0,-35 121 0,22-124 0,-57 212 0,67-225 0,3 2 0,-5 87 0,26 250 0,3-110 0,-12-292 0,5 68 0,-4-72 0,1-1 0,0 1 0,0-1 0,0 1 0,0-1 0,1 0 0,-1 0 0,1 0 0,0 0 0,0 0 0,1 0 0,-1 0 0,1-1 0,3 4 0,-3-5 0,-1-1 0,1 1 0,0-1 0,0 0 0,0 0 0,0 0 0,0-1 0,0 1 0,0-1 0,1 0 0,-1 0 0,0 0 0,0 0 0,0 0 0,0 0 0,0-1 0,6-1 0,58-21 0,-51 17 0,266-113 0,-221 88-1365,-46 25-5461</inkml:trace>
-</inkml:ink>
-</file>
-
-<file path=ppt/ink/ink10.xml><?xml version="1.0" encoding="utf-8"?>
-<inkml:ink xmlns:inkml="http://www.w3.org/2003/InkML">
-  <inkml:definitions>
-    <inkml:context xml:id="ctx0">
-      <inkml:inkSource xml:id="inkSrc0">
-        <inkml:traceFormat>
-          <inkml:channel name="X" type="integer" min="-2.14748E9" max="2.14748E9" units="cm"/>
-          <inkml:channel name="Y" type="integer" min="-2.14748E9" max="2.14748E9" units="cm"/>
-          <inkml:channel name="F" type="integer" max="32767" units="dev"/>
-        </inkml:traceFormat>
-        <inkml:channelProperties>
-          <inkml:channelProperty channel="X" name="resolution" value="1000" units="1/cm"/>
-          <inkml:channelProperty channel="Y" name="resolution" value="1000" units="1/cm"/>
-          <inkml:channelProperty channel="F" name="resolution" value="0" units="1/dev"/>
-        </inkml:channelProperties>
-      </inkml:inkSource>
-      <inkml:timestamp xml:id="ts0" timeString="2022-07-13T19:00:16.510"/>
-    </inkml:context>
-    <inkml:brush xml:id="br0">
-      <inkml:brushProperty name="width" value="0.05" units="cm"/>
-      <inkml:brushProperty name="height" value="0.05" units="cm"/>
-      <inkml:brushProperty name="color" value="#E71224"/>
-    </inkml:brush>
-  </inkml:definitions>
-  <inkml:trace contextRef="#ctx0" brushRef="#br0">1 1 24575</inkml:trace>
-</inkml:ink>
-</file>
-
-<file path=ppt/ink/ink2.xml><?xml version="1.0" encoding="utf-8"?>
-<inkml:ink xmlns:inkml="http://www.w3.org/2003/InkML">
-  <inkml:definitions>
-    <inkml:context xml:id="ctx0">
-      <inkml:inkSource xml:id="inkSrc0">
-        <inkml:traceFormat>
-          <inkml:channel name="X" type="integer" min="-2.14748E9" max="2.14748E9" units="cm"/>
-          <inkml:channel name="Y" type="integer" min="-2.14748E9" max="2.14748E9" units="cm"/>
-          <inkml:channel name="F" type="integer" max="32767" units="dev"/>
-        </inkml:traceFormat>
-        <inkml:channelProperties>
-          <inkml:channelProperty channel="X" name="resolution" value="1000" units="1/cm"/>
-          <inkml:channelProperty channel="Y" name="resolution" value="1000" units="1/cm"/>
-          <inkml:channelProperty channel="F" name="resolution" value="0" units="1/dev"/>
-        </inkml:channelProperties>
-      </inkml:inkSource>
-      <inkml:timestamp xml:id="ts0" timeString="2022-07-13T18:57:53.906"/>
-    </inkml:context>
-    <inkml:brush xml:id="br0">
-      <inkml:brushProperty name="width" value="0.05" units="cm"/>
-      <inkml:brushProperty name="height" value="0.05" units="cm"/>
-      <inkml:brushProperty name="color" value="#E71224"/>
-    </inkml:brush>
-  </inkml:definitions>
-  <inkml:trace contextRef="#ctx0" brushRef="#br0">1 3981 24575,'6'-4'0,"0"1"0,1 0 0,0 0 0,-1 0 0,1 1 0,0 0 0,1 0 0,-1 1 0,0 0 0,13-1 0,7-2 0,940-232 0,-671 155 0,-162 45-28,802-203-443,16 59 389,36 48 82,-378 86 601,4 47-610,113-4-2,566-11 11,-912 15 0,-345 0 0,1 2 0,-1 1 0,1 2 0,-1 1 0,-1 2 0,0 2 0,0 1 0,62 31 0,463 186 0,-542-222 0,3 0 0,0 0 0,1-2 0,-1 0 0,1-2 0,25 2 0,-19-1 0,0 2 0,0 1 0,0 0 0,34 16 0,26 7 0,-48-19 0,2-1 0,-1-2 0,1-3 0,1-1 0,-1-2 0,0-1 0,1-3 0,76-12 0,-37-1 0,0 3 0,1 4 0,0 4 0,134 10 0,-213-5 0,0 0 0,0-1 0,1 1 0,-1-1 0,0 0 0,0-1 0,1 1 0,-1-1 0,0 0 0,0 0 0,0 0 0,1 0 0,3-3 0,-5 2 0,-1 0 0,0-1 0,0 1 0,0-1 0,0 1 0,0-1 0,0 0 0,-1 1 0,1-1 0,-1 0 0,0 0 0,0 0 0,0-1 0,0 1 0,0 0 0,-1 0 0,0 0 0,1-5 0,8-223 0,-5 68 0,35-252 0,4-83 0,-40 398 0,-4 0 0,-31-199 0,-31 11 0,30 152 0,-22-199 0,47 254 0,-8-221 0,19 274 22,2 0-1,0 0 0,2 1 1,16-45-1,-13 47-231,-2 1 0,-1-1-1,-1-1 1,-1 1 0,-2-1-1,1-27 1,-4 35-6616</inkml:trace>
-</inkml:ink>
-</file>
-
-<file path=ppt/ink/ink3.xml><?xml version="1.0" encoding="utf-8"?>
-<inkml:ink xmlns:inkml="http://www.w3.org/2003/InkML">
-  <inkml:definitions>
-    <inkml:context xml:id="ctx0">
-      <inkml:inkSource xml:id="inkSrc0">
-        <inkml:traceFormat>
-          <inkml:channel name="X" type="integer" min="-2.14748E9" max="2.14748E9" units="cm"/>
-          <inkml:channel name="Y" type="integer" min="-2.14748E9" max="2.14748E9" units="cm"/>
-          <inkml:channel name="F" type="integer" max="32767" units="dev"/>
-        </inkml:traceFormat>
-        <inkml:channelProperties>
-          <inkml:channelProperty channel="X" name="resolution" value="1000" units="1/cm"/>
-          <inkml:channelProperty channel="Y" name="resolution" value="1000" units="1/cm"/>
-          <inkml:channelProperty channel="F" name="resolution" value="0" units="1/dev"/>
-        </inkml:channelProperties>
-      </inkml:inkSource>
       <inkml:timestamp xml:id="ts0" timeString="2022-07-13T18:58:18.028"/>
     </inkml:context>
     <inkml:brush xml:id="br0">
@@ -230,91 +146,7 @@
 </inkml:ink>
 </file>
 
-<file path=ppt/ink/ink4.xml><?xml version="1.0" encoding="utf-8"?>
-<inkml:ink xmlns:inkml="http://www.w3.org/2003/InkML">
-  <inkml:definitions>
-    <inkml:context xml:id="ctx0">
-      <inkml:inkSource xml:id="inkSrc0">
-        <inkml:traceFormat>
-          <inkml:channel name="X" type="integer" min="-2.14748E9" max="2.14748E9" units="cm"/>
-          <inkml:channel name="Y" type="integer" min="-2.14748E9" max="2.14748E9" units="cm"/>
-          <inkml:channel name="F" type="integer" max="32767" units="dev"/>
-        </inkml:traceFormat>
-        <inkml:channelProperties>
-          <inkml:channelProperty channel="X" name="resolution" value="1000" units="1/cm"/>
-          <inkml:channelProperty channel="Y" name="resolution" value="1000" units="1/cm"/>
-          <inkml:channelProperty channel="F" name="resolution" value="0" units="1/dev"/>
-        </inkml:channelProperties>
-      </inkml:inkSource>
-      <inkml:timestamp xml:id="ts0" timeString="2022-07-13T18:59:13.485"/>
-    </inkml:context>
-    <inkml:brush xml:id="br0">
-      <inkml:brushProperty name="width" value="0.05" units="cm"/>
-      <inkml:brushProperty name="height" value="0.05" units="cm"/>
-      <inkml:brushProperty name="color" value="#E71224"/>
-    </inkml:brush>
-  </inkml:definitions>
-  <inkml:trace contextRef="#ctx0" brushRef="#br0">1 0 24575,'173'7'0,"196"32"0,-161-9 0,-1 9 0,389 128 0,-525-140 0,0 3 0,-3 3 0,101 66 0,-131-73 0,-1 2 0,-1 2 0,-2 1 0,-1 1 0,-2 2 0,-1 1 0,29 45 0,19 55 0,96 224 0,-122-242 0,72 147 0,187 292 0,-26-67 0,-222-363 0,-7 2 0,42 141 0,-44-99 0,7-2 0,123 237 0,-143-329 0,3-2 0,3-2 0,3-3 0,108 116 0,-86-112 0,159 151 0,-65-94 0,-22-18 0,-48-33 0,52 45 0,-128-107 0,1 0 0,0-2 0,1 0 0,1-1 0,0-2 0,1 0 0,45 15 0,187 38 0,-209-54 0,1056 170 0,247 60 0,-1262-219 0,-1 3 0,-1 5 0,-2 3 0,119 64 0,-192-91 0,0-1 0,1-1 0,-1 0 0,1 0 0,0-1 0,0-1 0,0 0 0,13 0 0,17-1 0,42-4 0,-3 0 0,81-8 0,7 0 0,-68 12-1365,-82-1-5461</inkml:trace>
-</inkml:ink>
-</file>
-
-<file path=ppt/ink/ink5.xml><?xml version="1.0" encoding="utf-8"?>
-<inkml:ink xmlns:inkml="http://www.w3.org/2003/InkML">
-  <inkml:definitions>
-    <inkml:context xml:id="ctx0">
-      <inkml:inkSource xml:id="inkSrc0">
-        <inkml:traceFormat>
-          <inkml:channel name="X" type="integer" min="-2.14748E9" max="2.14748E9" units="cm"/>
-          <inkml:channel name="Y" type="integer" min="-2.14748E9" max="2.14748E9" units="cm"/>
-          <inkml:channel name="F" type="integer" max="32767" units="dev"/>
-        </inkml:traceFormat>
-        <inkml:channelProperties>
-          <inkml:channelProperty channel="X" name="resolution" value="1000" units="1/cm"/>
-          <inkml:channelProperty channel="Y" name="resolution" value="1000" units="1/cm"/>
-          <inkml:channelProperty channel="F" name="resolution" value="0" units="1/dev"/>
-        </inkml:channelProperties>
-      </inkml:inkSource>
-      <inkml:timestamp xml:id="ts0" timeString="2022-07-13T18:59:21.850"/>
-    </inkml:context>
-    <inkml:brush xml:id="br0">
-      <inkml:brushProperty name="width" value="0.05" units="cm"/>
-      <inkml:brushProperty name="height" value="0.05" units="cm"/>
-      <inkml:brushProperty name="color" value="#E71224"/>
-    </inkml:brush>
-  </inkml:definitions>
-  <inkml:trace contextRef="#ctx0" brushRef="#br0">1 0 24575,'14'1'0,"0"1"0,0 1 0,0 0 0,0 0 0,-1 2 0,1-1 0,-1 2 0,0 0 0,-1 0 0,21 15 0,32 14 0,1363 584 0,-978-434 0,-136-52 0,96 47 0,30 13 0,-380-170 0,-2 3 0,81 50 0,29 20 0,4-8 0,284 103 0,-48-73 0,-350-104 0,17 3 0,-34-8 0,0 1 0,-1 2 0,51 22 0,130 79 0,54 25 0,115 22 0,121 55 0,-393-157 0,-3 5 0,137 98 0,-165-102 0,3-3 0,2-4 0,3-4 0,159 56 0,-231-95 0,-1 1 0,0 1 0,0 1 0,-2 1 0,26 19 0,89 87 0,-50-41 0,-58-55 0,-11-8 0,0 0 0,1-2 0,0 0 0,1-1 0,1-1 0,35 16 0,-18-15-195,-1-1 0,1-2 0,1-2 0,0-1 0,0-2 0,66 0 0,-77-5-6631</inkml:trace>
-</inkml:ink>
-</file>
-
-<file path=ppt/ink/ink6.xml><?xml version="1.0" encoding="utf-8"?>
-<inkml:ink xmlns:inkml="http://www.w3.org/2003/InkML">
-  <inkml:definitions>
-    <inkml:context xml:id="ctx0">
-      <inkml:inkSource xml:id="inkSrc0">
-        <inkml:traceFormat>
-          <inkml:channel name="X" type="integer" min="-2.14748E9" max="2.14748E9" units="cm"/>
-          <inkml:channel name="Y" type="integer" min="-2.14748E9" max="2.14748E9" units="cm"/>
-          <inkml:channel name="F" type="integer" max="32767" units="dev"/>
-        </inkml:traceFormat>
-        <inkml:channelProperties>
-          <inkml:channelProperty channel="X" name="resolution" value="1000" units="1/cm"/>
-          <inkml:channelProperty channel="Y" name="resolution" value="1000" units="1/cm"/>
-          <inkml:channelProperty channel="F" name="resolution" value="0" units="1/dev"/>
-        </inkml:channelProperties>
-      </inkml:inkSource>
-      <inkml:timestamp xml:id="ts0" timeString="2022-07-13T18:59:34.821"/>
-    </inkml:context>
-    <inkml:brush xml:id="br0">
-      <inkml:brushProperty name="width" value="0.05" units="cm"/>
-      <inkml:brushProperty name="height" value="0.05" units="cm"/>
-      <inkml:brushProperty name="color" value="#E71224"/>
-    </inkml:brush>
-  </inkml:definitions>
-  <inkml:trace contextRef="#ctx0" brushRef="#br0">0 3170 24575,'15'-1'0,"-1"0"0,0-2 0,1 1 0,25-10 0,3 0 0,990-243 0,-863 211 0,97-20 0,-98 40 0,-17 14 0,7 0 0,65-3 0,-41 4 0,-124 3 0,-11-1 0,1 2 0,0 3 0,-1 1 0,81 11 0,-77 3 0,0 3 0,52 23 0,2 1 0,40 18 0,-107-40 0,2-1 0,0-2 0,1-2 0,0-1 0,61 7 0,104 6 0,-121-12 0,136 2 0,-10-13 0,139-5 0,-302-3 0,-1-2 0,69-20 0,41-8 0,-69 19 0,161-56 0,-95 24 0,49-10 0,-54 18 0,-119 32 0,1 2 0,1 1 0,56-2 0,102 9 0,-71 2 0,-88-1 0,58 10 0,-67-7 0,-1-1 0,1-1 0,0-2 0,-1 0 0,37-3 0,-56 1 0,-1 0 0,0 0 0,1 1 0,-1-2 0,0 1 0,1 0 0,-1 0 0,0-1 0,0 1 0,0-1 0,0 1 0,-1-1 0,1 0 0,0 0 0,-1 0 0,1 0 0,-1 0 0,1 0 0,-1 0 0,0-1 0,0 1 0,0 0 0,0-1 0,-1 1 0,2-4 0,1-8 0,-1-1 0,0 1 0,-1-21 0,0 19 0,2-166 0,-3 77 0,5 0 0,22-136 0,-21 210 0,1 1 0,1 0 0,1 1 0,2-1 0,1 2 0,1 0 0,2 0 0,0 2 0,2 0 0,1 0 0,0 2 0,31-31 0,-1 9 0,2 2 0,85-58 0,-84 68 0,-13 8 0,0 2 0,81-36 0,8 17 0,218-43 0,-133 37 0,968-292 0,-807 227 0,1354-320 0,-1475 390 0,499-21 0,-647 62 0,451-9 0,1 36 0,-269 3-231,1487 167-1066,183-4 1297,-1734-181-175,425 20-285,-4 37 308,111 76 738,188 26 270,504 25 17,-649-105-873,-755-85 0,0 3 0,1 1 0,-2 3 0,0 1 0,52 22 0,-63-19 0,0 1 0,-1 1 0,-1 2 0,-1 1 0,0 2 0,-2 0 0,32 33 0,-34-29 0,-6-5 0,1 0 0,1-2 0,0 0 0,1-2 0,31 19 0,94 35 0,229 77 0,-273-111 0,286 97 0,262 103 0,-608-217 0,0 2 0,-2 2 0,-1 2 0,0 1 0,-2 2 0,-1 2 0,-2 1 0,36 42 0,2 5 0,102 87 0,-141-136 0,-2 2 0,-1 1 0,-1 2 0,40 61 0,78 163 0,-36-60 0,-78-144 0,85 128 0,-89-142 0,-3 2 0,-1 1 0,-2 1 0,-2 0 0,30 93 0,-21-28 0,23 167 0,-34-179 0,-10-58 0,-2 1 0,3 67 0,-17 159 0,3-228 0,-2 1 0,-2-1 0,-1 0 0,-26 68 0,-189 328 0,71-152 0,116-205 0,-48 141 0,3 12 0,33-100 0,38-91 0,1 1 0,2 0 0,2 1 0,-1 54 0,-9 58 0,-30 138 0,43-266-1365,1-3-5461</inkml:trace>
-</inkml:ink>
-</file>
-
-<file path=ppt/ink/ink7.xml><?xml version="1.0" encoding="utf-8"?>
+<file path=ppt/ink/ink2.xml><?xml version="1.0" encoding="utf-8"?>
 <inkml:ink xmlns:inkml="http://www.w3.org/2003/InkML">
   <inkml:definitions>
     <inkml:context xml:id="ctx0">
@@ -342,7 +174,7 @@
 </inkml:ink>
 </file>
 
-<file path=ppt/ink/ink8.xml><?xml version="1.0" encoding="utf-8"?>
+<file path=ppt/ink/ink3.xml><?xml version="1.0" encoding="utf-8"?>
 <inkml:ink xmlns:inkml="http://www.w3.org/2003/InkML">
   <inkml:definitions>
     <inkml:context xml:id="ctx0">
@@ -370,7 +202,7 @@
 </inkml:ink>
 </file>
 
-<file path=ppt/ink/ink9.xml><?xml version="1.0" encoding="utf-8"?>
+<file path=ppt/ink/ink4.xml><?xml version="1.0" encoding="utf-8"?>
 <inkml:ink xmlns:inkml="http://www.w3.org/2003/InkML">
   <inkml:definitions>
     <inkml:context xml:id="ctx0">
@@ -387,6 +219,34 @@
         </inkml:channelProperties>
       </inkml:inkSource>
       <inkml:timestamp xml:id="ts0" timeString="2022-07-13T19:00:15.445"/>
+    </inkml:context>
+    <inkml:brush xml:id="br0">
+      <inkml:brushProperty name="width" value="0.05" units="cm"/>
+      <inkml:brushProperty name="height" value="0.05" units="cm"/>
+      <inkml:brushProperty name="color" value="#E71224"/>
+    </inkml:brush>
+  </inkml:definitions>
+  <inkml:trace contextRef="#ctx0" brushRef="#br0">1 1 24575</inkml:trace>
+</inkml:ink>
+</file>
+
+<file path=ppt/ink/ink5.xml><?xml version="1.0" encoding="utf-8"?>
+<inkml:ink xmlns:inkml="http://www.w3.org/2003/InkML">
+  <inkml:definitions>
+    <inkml:context xml:id="ctx0">
+      <inkml:inkSource xml:id="inkSrc0">
+        <inkml:traceFormat>
+          <inkml:channel name="X" type="integer" min="-2.14748E9" max="2.14748E9" units="cm"/>
+          <inkml:channel name="Y" type="integer" min="-2.14748E9" max="2.14748E9" units="cm"/>
+          <inkml:channel name="F" type="integer" max="32767" units="dev"/>
+        </inkml:traceFormat>
+        <inkml:channelProperties>
+          <inkml:channelProperty channel="X" name="resolution" value="1000" units="1/cm"/>
+          <inkml:channelProperty channel="Y" name="resolution" value="1000" units="1/cm"/>
+          <inkml:channelProperty channel="F" name="resolution" value="0" units="1/dev"/>
+        </inkml:channelProperties>
+      </inkml:inkSource>
+      <inkml:timestamp xml:id="ts0" timeString="2022-07-13T19:00:16.510"/>
     </inkml:context>
     <inkml:brush xml:id="br0">
       <inkml:brushProperty name="width" value="0.05" units="cm"/>
@@ -6314,108 +6174,6 @@
         <mc:Choice Requires="p14">
           <p:contentPart p14:bwMode="auto" r:id="rId4">
             <p14:nvContentPartPr>
-              <p14:cNvPr id="8" name="Entrada de lápiz 7">
-                <a:extLst>
-                  <a:ext uri="{FF2B5EF4-FFF2-40B4-BE49-F238E27FC236}">
-                    <a16:creationId xmlns:a16="http://schemas.microsoft.com/office/drawing/2014/main" id="{D9CFA5C3-1623-ED14-995F-69E99373BB88}"/>
-                  </a:ext>
-                </a:extLst>
-              </p14:cNvPr>
-              <p14:cNvContentPartPr/>
-              <p14:nvPr/>
-            </p14:nvContentPartPr>
-            <p14:xfrm>
-              <a:off x="4945140" y="333900"/>
-              <a:ext cx="337320" cy="1540440"/>
-            </p14:xfrm>
-          </p:contentPart>
-        </mc:Choice>
-        <mc:Fallback xmlns="">
-          <p:pic>
-            <p:nvPicPr>
-              <p:cNvPr id="8" name="Entrada de lápiz 7">
-                <a:extLst>
-                  <a:ext uri="{FF2B5EF4-FFF2-40B4-BE49-F238E27FC236}">
-                    <a16:creationId xmlns:a16="http://schemas.microsoft.com/office/drawing/2014/main" id="{D9CFA5C3-1623-ED14-995F-69E99373BB88}"/>
-                  </a:ext>
-                </a:extLst>
-              </p:cNvPr>
-              <p:cNvPicPr/>
-              <p:nvPr/>
-            </p:nvPicPr>
-            <p:blipFill>
-              <a:blip r:embed="rId5"/>
-              <a:stretch>
-                <a:fillRect/>
-              </a:stretch>
-            </p:blipFill>
-            <p:spPr>
-              <a:xfrm>
-                <a:off x="4936500" y="325260"/>
-                <a:ext cx="354960" cy="1558080"/>
-              </a:xfrm>
-              <a:prstGeom prst="rect">
-                <a:avLst/>
-              </a:prstGeom>
-            </p:spPr>
-          </p:pic>
-        </mc:Fallback>
-      </mc:AlternateContent>
-      <mc:AlternateContent xmlns:mc="http://schemas.openxmlformats.org/markup-compatibility/2006" xmlns:p14="http://schemas.microsoft.com/office/powerpoint/2010/main">
-        <mc:Choice Requires="p14">
-          <p:contentPart p14:bwMode="auto" r:id="rId6">
-            <p14:nvContentPartPr>
-              <p14:cNvPr id="13" name="Entrada de lápiz 12">
-                <a:extLst>
-                  <a:ext uri="{FF2B5EF4-FFF2-40B4-BE49-F238E27FC236}">
-                    <a16:creationId xmlns:a16="http://schemas.microsoft.com/office/drawing/2014/main" id="{B2FD7746-D901-3CE1-B978-34DE0E78B5CC}"/>
-                  </a:ext>
-                </a:extLst>
-              </p14:cNvPr>
-              <p14:cNvContentPartPr/>
-              <p14:nvPr/>
-            </p14:nvContentPartPr>
-            <p14:xfrm>
-              <a:off x="5036580" y="2079540"/>
-              <a:ext cx="3809160" cy="1433160"/>
-            </p14:xfrm>
-          </p:contentPart>
-        </mc:Choice>
-        <mc:Fallback xmlns="">
-          <p:pic>
-            <p:nvPicPr>
-              <p:cNvPr id="13" name="Entrada de lápiz 12">
-                <a:extLst>
-                  <a:ext uri="{FF2B5EF4-FFF2-40B4-BE49-F238E27FC236}">
-                    <a16:creationId xmlns:a16="http://schemas.microsoft.com/office/drawing/2014/main" id="{B2FD7746-D901-3CE1-B978-34DE0E78B5CC}"/>
-                  </a:ext>
-                </a:extLst>
-              </p:cNvPr>
-              <p:cNvPicPr/>
-              <p:nvPr/>
-            </p:nvPicPr>
-            <p:blipFill>
-              <a:blip r:embed="rId7"/>
-              <a:stretch>
-                <a:fillRect/>
-              </a:stretch>
-            </p:blipFill>
-            <p:spPr>
-              <a:xfrm>
-                <a:off x="5027940" y="2070900"/>
-                <a:ext cx="3826800" cy="1450800"/>
-              </a:xfrm>
-              <a:prstGeom prst="rect">
-                <a:avLst/>
-              </a:prstGeom>
-            </p:spPr>
-          </p:pic>
-        </mc:Fallback>
-      </mc:AlternateContent>
-      <mc:AlternateContent xmlns:mc="http://schemas.openxmlformats.org/markup-compatibility/2006" xmlns:p14="http://schemas.microsoft.com/office/powerpoint/2010/main">
-        <mc:Choice Requires="p14">
-          <p:contentPart p14:bwMode="auto" r:id="rId8">
-            <p14:nvContentPartPr>
               <p14:cNvPr id="14" name="Entrada de lápiz 13">
                 <a:extLst>
                   <a:ext uri="{FF2B5EF4-FFF2-40B4-BE49-F238E27FC236}">
@@ -6496,159 +6254,6 @@
       <mc:AlternateContent xmlns:mc="http://schemas.openxmlformats.org/markup-compatibility/2006" xmlns:p14="http://schemas.microsoft.com/office/powerpoint/2010/main">
         <mc:Choice Requires="p14">
           <p:contentPart p14:bwMode="auto" r:id="rId11">
-            <p14:nvContentPartPr>
-              <p14:cNvPr id="17" name="Entrada de lápiz 16">
-                <a:extLst>
-                  <a:ext uri="{FF2B5EF4-FFF2-40B4-BE49-F238E27FC236}">
-                    <a16:creationId xmlns:a16="http://schemas.microsoft.com/office/drawing/2014/main" id="{05A57B94-7ACF-3A0D-C078-33B096B8117C}"/>
-                  </a:ext>
-                </a:extLst>
-              </p14:cNvPr>
-              <p14:cNvContentPartPr/>
-              <p14:nvPr/>
-            </p14:nvContentPartPr>
-            <p14:xfrm>
-              <a:off x="5005980" y="2834460"/>
-              <a:ext cx="3337560" cy="2174040"/>
-            </p14:xfrm>
-          </p:contentPart>
-        </mc:Choice>
-        <mc:Fallback xmlns="">
-          <p:pic>
-            <p:nvPicPr>
-              <p:cNvPr id="17" name="Entrada de lápiz 16">
-                <a:extLst>
-                  <a:ext uri="{FF2B5EF4-FFF2-40B4-BE49-F238E27FC236}">
-                    <a16:creationId xmlns:a16="http://schemas.microsoft.com/office/drawing/2014/main" id="{05A57B94-7ACF-3A0D-C078-33B096B8117C}"/>
-                  </a:ext>
-                </a:extLst>
-              </p:cNvPr>
-              <p:cNvPicPr/>
-              <p:nvPr/>
-            </p:nvPicPr>
-            <p:blipFill>
-              <a:blip r:embed="rId12"/>
-              <a:stretch>
-                <a:fillRect/>
-              </a:stretch>
-            </p:blipFill>
-            <p:spPr>
-              <a:xfrm>
-                <a:off x="4997340" y="2825460"/>
-                <a:ext cx="3355200" cy="2191680"/>
-              </a:xfrm>
-              <a:prstGeom prst="rect">
-                <a:avLst/>
-              </a:prstGeom>
-            </p:spPr>
-          </p:pic>
-        </mc:Fallback>
-      </mc:AlternateContent>
-      <mc:AlternateContent xmlns:mc="http://schemas.openxmlformats.org/markup-compatibility/2006" xmlns:p14="http://schemas.microsoft.com/office/powerpoint/2010/main">
-        <mc:Choice Requires="p14">
-          <p:contentPart p14:bwMode="auto" r:id="rId13">
-            <p14:nvContentPartPr>
-              <p14:cNvPr id="18" name="Entrada de lápiz 17">
-                <a:extLst>
-                  <a:ext uri="{FF2B5EF4-FFF2-40B4-BE49-F238E27FC236}">
-                    <a16:creationId xmlns:a16="http://schemas.microsoft.com/office/drawing/2014/main" id="{945E7428-B328-15E6-3042-866DCB467AFC}"/>
-                  </a:ext>
-                </a:extLst>
-              </p14:cNvPr>
-              <p14:cNvContentPartPr/>
-              <p14:nvPr/>
-            </p14:nvContentPartPr>
-            <p14:xfrm>
-              <a:off x="5000115" y="5248125"/>
-              <a:ext cx="3056040" cy="1372320"/>
-            </p14:xfrm>
-          </p:contentPart>
-        </mc:Choice>
-        <mc:Fallback xmlns="">
-          <p:pic>
-            <p:nvPicPr>
-              <p:cNvPr id="18" name="Entrada de lápiz 17">
-                <a:extLst>
-                  <a:ext uri="{FF2B5EF4-FFF2-40B4-BE49-F238E27FC236}">
-                    <a16:creationId xmlns:a16="http://schemas.microsoft.com/office/drawing/2014/main" id="{945E7428-B328-15E6-3042-866DCB467AFC}"/>
-                  </a:ext>
-                </a:extLst>
-              </p:cNvPr>
-              <p:cNvPicPr/>
-              <p:nvPr/>
-            </p:nvPicPr>
-            <p:blipFill>
-              <a:blip r:embed="rId14"/>
-              <a:stretch>
-                <a:fillRect/>
-              </a:stretch>
-            </p:blipFill>
-            <p:spPr>
-              <a:xfrm>
-                <a:off x="4991475" y="5239125"/>
-                <a:ext cx="3073680" cy="1389960"/>
-              </a:xfrm>
-              <a:prstGeom prst="rect">
-                <a:avLst/>
-              </a:prstGeom>
-            </p:spPr>
-          </p:pic>
-        </mc:Fallback>
-      </mc:AlternateContent>
-      <mc:AlternateContent xmlns:mc="http://schemas.openxmlformats.org/markup-compatibility/2006" xmlns:p14="http://schemas.microsoft.com/office/powerpoint/2010/main">
-        <mc:Choice Requires="p14">
-          <p:contentPart p14:bwMode="auto" r:id="rId15">
-            <p14:nvContentPartPr>
-              <p14:cNvPr id="19" name="Entrada de lápiz 18">
-                <a:extLst>
-                  <a:ext uri="{FF2B5EF4-FFF2-40B4-BE49-F238E27FC236}">
-                    <a16:creationId xmlns:a16="http://schemas.microsoft.com/office/drawing/2014/main" id="{8E6B6641-AF3D-0589-10BD-B30517B7636A}"/>
-                  </a:ext>
-                </a:extLst>
-              </p14:cNvPr>
-              <p14:cNvContentPartPr/>
-              <p14:nvPr/>
-            </p14:nvContentPartPr>
-            <p14:xfrm>
-              <a:off x="2437995" y="258525"/>
-              <a:ext cx="9754005" cy="2608200"/>
-            </p14:xfrm>
-          </p:contentPart>
-        </mc:Choice>
-        <mc:Fallback xmlns="">
-          <p:pic>
-            <p:nvPicPr>
-              <p:cNvPr id="19" name="Entrada de lápiz 18">
-                <a:extLst>
-                  <a:ext uri="{FF2B5EF4-FFF2-40B4-BE49-F238E27FC236}">
-                    <a16:creationId xmlns:a16="http://schemas.microsoft.com/office/drawing/2014/main" id="{8E6B6641-AF3D-0589-10BD-B30517B7636A}"/>
-                  </a:ext>
-                </a:extLst>
-              </p:cNvPr>
-              <p:cNvPicPr/>
-              <p:nvPr/>
-            </p:nvPicPr>
-            <p:blipFill>
-              <a:blip r:embed="rId16"/>
-              <a:stretch>
-                <a:fillRect/>
-              </a:stretch>
-            </p:blipFill>
-            <p:spPr>
-              <a:xfrm>
-                <a:off x="2428995" y="249885"/>
-                <a:ext cx="9771645" cy="2625840"/>
-              </a:xfrm>
-              <a:prstGeom prst="rect">
-                <a:avLst/>
-              </a:prstGeom>
-            </p:spPr>
-          </p:pic>
-        </mc:Fallback>
-      </mc:AlternateContent>
-      <mc:AlternateContent xmlns:mc="http://schemas.openxmlformats.org/markup-compatibility/2006" xmlns:p14="http://schemas.microsoft.com/office/powerpoint/2010/main">
-        <mc:Choice Requires="p14">
-          <p:contentPart p14:bwMode="auto" r:id="rId17">
             <p14:nvContentPartPr>
               <p14:cNvPr id="20" name="Entrada de lápiz 19">
                 <a:extLst>
@@ -6719,7 +6324,7 @@
         </p:grpSpPr>
         <mc:AlternateContent xmlns:mc="http://schemas.openxmlformats.org/markup-compatibility/2006" xmlns:p14="http://schemas.microsoft.com/office/powerpoint/2010/main">
           <mc:Choice Requires="p14">
-            <p:contentPart p14:bwMode="auto" r:id="rId18">
+            <p:contentPart p14:bwMode="auto" r:id="rId12">
               <p14:nvContentPartPr>
                 <p14:cNvPr id="21" name="Entrada de lápiz 20">
                   <a:extLst>
@@ -6770,7 +6375,7 @@
         </mc:AlternateContent>
         <mc:AlternateContent xmlns:mc="http://schemas.openxmlformats.org/markup-compatibility/2006" xmlns:p14="http://schemas.microsoft.com/office/powerpoint/2010/main">
           <mc:Choice Requires="p14">
-            <p:contentPart p14:bwMode="auto" r:id="rId19">
+            <p:contentPart p14:bwMode="auto" r:id="rId13">
               <p14:nvContentPartPr>
                 <p14:cNvPr id="22" name="Entrada de lápiz 21">
                   <a:extLst>
@@ -6822,7 +6427,7 @@
       </p:grpSp>
       <mc:AlternateContent xmlns:mc="http://schemas.openxmlformats.org/markup-compatibility/2006" xmlns:p14="http://schemas.microsoft.com/office/powerpoint/2010/main">
         <mc:Choice Requires="p14">
-          <p:contentPart p14:bwMode="auto" r:id="rId20">
+          <p:contentPart p14:bwMode="auto" r:id="rId14">
             <p14:nvContentPartPr>
               <p14:cNvPr id="24" name="Entrada de lápiz 23">
                 <a:extLst>
@@ -6871,6 +6476,232 @@
           </p:pic>
         </mc:Fallback>
       </mc:AlternateContent>
+      <p:cxnSp>
+        <p:nvCxnSpPr>
+          <p:cNvPr id="25" name="Conector: angular 24">
+            <a:extLst>
+              <a:ext uri="{FF2B5EF4-FFF2-40B4-BE49-F238E27FC236}">
+                <a16:creationId xmlns:a16="http://schemas.microsoft.com/office/drawing/2014/main" id="{FAE1A84A-931A-8622-AB5C-FDE28AED79BA}"/>
+              </a:ext>
+            </a:extLst>
+          </p:cNvPr>
+          <p:cNvCxnSpPr/>
+          <p:nvPr/>
+        </p:nvCxnSpPr>
+        <p:spPr>
+          <a:xfrm flipV="1">
+            <a:off x="5065369" y="2079540"/>
+            <a:ext cx="4271578" cy="1504323"/>
+          </a:xfrm>
+          <a:prstGeom prst="bentConnector3">
+            <a:avLst>
+              <a:gd name="adj1" fmla="val 100080"/>
+            </a:avLst>
+          </a:prstGeom>
+          <a:ln w="57150">
+            <a:solidFill>
+              <a:srgbClr val="00B050"/>
+            </a:solidFill>
+            <a:tailEnd type="triangle"/>
+          </a:ln>
+        </p:spPr>
+        <p:style>
+          <a:lnRef idx="1">
+            <a:schemeClr val="accent1"/>
+          </a:lnRef>
+          <a:fillRef idx="0">
+            <a:schemeClr val="accent1"/>
+          </a:fillRef>
+          <a:effectRef idx="0">
+            <a:schemeClr val="accent1"/>
+          </a:effectRef>
+          <a:fontRef idx="minor">
+            <a:schemeClr val="tx1"/>
+          </a:fontRef>
+        </p:style>
+      </p:cxnSp>
+      <p:cxnSp>
+        <p:nvCxnSpPr>
+          <p:cNvPr id="26" name="Conector: angular 25">
+            <a:extLst>
+              <a:ext uri="{FF2B5EF4-FFF2-40B4-BE49-F238E27FC236}">
+                <a16:creationId xmlns:a16="http://schemas.microsoft.com/office/drawing/2014/main" id="{7CC323CF-A4F6-C4FD-E8F2-7067885A5AE7}"/>
+              </a:ext>
+            </a:extLst>
+          </p:cNvPr>
+          <p:cNvCxnSpPr>
+            <a:cxnSpLocks/>
+          </p:cNvCxnSpPr>
+          <p:nvPr/>
+        </p:nvCxnSpPr>
+        <p:spPr>
+          <a:xfrm>
+            <a:off x="2608976" y="394283"/>
+            <a:ext cx="2632949" cy="1488492"/>
+          </a:xfrm>
+          <a:prstGeom prst="bentConnector3">
+            <a:avLst>
+              <a:gd name="adj1" fmla="val 91241"/>
+            </a:avLst>
+          </a:prstGeom>
+          <a:ln w="38100">
+            <a:solidFill>
+              <a:srgbClr val="00B050"/>
+            </a:solidFill>
+            <a:tailEnd type="triangle"/>
+          </a:ln>
+        </p:spPr>
+        <p:style>
+          <a:lnRef idx="1">
+            <a:schemeClr val="accent1"/>
+          </a:lnRef>
+          <a:fillRef idx="0">
+            <a:schemeClr val="accent1"/>
+          </a:fillRef>
+          <a:effectRef idx="0">
+            <a:schemeClr val="accent1"/>
+          </a:effectRef>
+          <a:fontRef idx="minor">
+            <a:schemeClr val="tx1"/>
+          </a:fontRef>
+        </p:style>
+      </p:cxnSp>
+      <p:cxnSp>
+        <p:nvCxnSpPr>
+          <p:cNvPr id="27" name="Conector: angular 26">
+            <a:extLst>
+              <a:ext uri="{FF2B5EF4-FFF2-40B4-BE49-F238E27FC236}">
+                <a16:creationId xmlns:a16="http://schemas.microsoft.com/office/drawing/2014/main" id="{9DD61662-EC93-F0F5-C746-7A5E48305D39}"/>
+              </a:ext>
+            </a:extLst>
+          </p:cNvPr>
+          <p:cNvCxnSpPr>
+            <a:cxnSpLocks/>
+          </p:cNvCxnSpPr>
+          <p:nvPr/>
+        </p:nvCxnSpPr>
+        <p:spPr>
+          <a:xfrm>
+            <a:off x="3439234" y="1221579"/>
+            <a:ext cx="7869126" cy="1580127"/>
+          </a:xfrm>
+          <a:prstGeom prst="bentConnector3">
+            <a:avLst>
+              <a:gd name="adj1" fmla="val 92749"/>
+            </a:avLst>
+          </a:prstGeom>
+          <a:ln w="57150">
+            <a:solidFill>
+              <a:srgbClr val="00B050"/>
+            </a:solidFill>
+            <a:tailEnd type="triangle"/>
+          </a:ln>
+        </p:spPr>
+        <p:style>
+          <a:lnRef idx="1">
+            <a:schemeClr val="accent1"/>
+          </a:lnRef>
+          <a:fillRef idx="0">
+            <a:schemeClr val="accent1"/>
+          </a:fillRef>
+          <a:effectRef idx="0">
+            <a:schemeClr val="accent1"/>
+          </a:effectRef>
+          <a:fontRef idx="minor">
+            <a:schemeClr val="tx1"/>
+          </a:fontRef>
+        </p:style>
+      </p:cxnSp>
+      <p:cxnSp>
+        <p:nvCxnSpPr>
+          <p:cNvPr id="28" name="Conector: angular 27">
+            <a:extLst>
+              <a:ext uri="{FF2B5EF4-FFF2-40B4-BE49-F238E27FC236}">
+                <a16:creationId xmlns:a16="http://schemas.microsoft.com/office/drawing/2014/main" id="{05612EC6-92A0-8138-3515-38A6D9C289A5}"/>
+              </a:ext>
+            </a:extLst>
+          </p:cNvPr>
+          <p:cNvCxnSpPr/>
+          <p:nvPr/>
+        </p:nvCxnSpPr>
+        <p:spPr>
+          <a:xfrm>
+            <a:off x="5065369" y="2650921"/>
+            <a:ext cx="3197787" cy="2164360"/>
+          </a:xfrm>
+          <a:prstGeom prst="bentConnector3">
+            <a:avLst>
+              <a:gd name="adj1" fmla="val 10649"/>
+            </a:avLst>
+          </a:prstGeom>
+          <a:ln w="38100">
+            <a:solidFill>
+              <a:srgbClr val="00B050"/>
+            </a:solidFill>
+            <a:tailEnd type="triangle"/>
+          </a:ln>
+        </p:spPr>
+        <p:style>
+          <a:lnRef idx="1">
+            <a:schemeClr val="accent1"/>
+          </a:lnRef>
+          <a:fillRef idx="0">
+            <a:schemeClr val="accent1"/>
+          </a:fillRef>
+          <a:effectRef idx="0">
+            <a:schemeClr val="accent1"/>
+          </a:effectRef>
+          <a:fontRef idx="minor">
+            <a:schemeClr val="tx1"/>
+          </a:fontRef>
+        </p:style>
+      </p:cxnSp>
+      <p:cxnSp>
+        <p:nvCxnSpPr>
+          <p:cNvPr id="29" name="Conector: angular 28">
+            <a:extLst>
+              <a:ext uri="{FF2B5EF4-FFF2-40B4-BE49-F238E27FC236}">
+                <a16:creationId xmlns:a16="http://schemas.microsoft.com/office/drawing/2014/main" id="{5CEFCA66-0111-CE17-7EC0-B7EA313E181F}"/>
+              </a:ext>
+            </a:extLst>
+          </p:cNvPr>
+          <p:cNvCxnSpPr>
+            <a:cxnSpLocks/>
+          </p:cNvCxnSpPr>
+          <p:nvPr/>
+        </p:nvCxnSpPr>
+        <p:spPr>
+          <a:xfrm>
+            <a:off x="4974356" y="5069762"/>
+            <a:ext cx="3197787" cy="910085"/>
+          </a:xfrm>
+          <a:prstGeom prst="bentConnector3">
+            <a:avLst>
+              <a:gd name="adj1" fmla="val 50000"/>
+            </a:avLst>
+          </a:prstGeom>
+          <a:ln w="38100">
+            <a:solidFill>
+              <a:srgbClr val="00B050"/>
+            </a:solidFill>
+            <a:tailEnd type="triangle"/>
+          </a:ln>
+        </p:spPr>
+        <p:style>
+          <a:lnRef idx="1">
+            <a:schemeClr val="accent1"/>
+          </a:lnRef>
+          <a:fillRef idx="0">
+            <a:schemeClr val="accent1"/>
+          </a:fillRef>
+          <a:effectRef idx="0">
+            <a:schemeClr val="accent1"/>
+          </a:effectRef>
+          <a:fontRef idx="minor">
+            <a:schemeClr val="tx1"/>
+          </a:fontRef>
+        </p:style>
+      </p:cxnSp>
     </p:spTree>
     <p:extLst>
       <p:ext uri="{BB962C8B-B14F-4D97-AF65-F5344CB8AC3E}">
